--- a/ShapeCrawler.Tests/Resource/005.pptx
+++ b/ShapeCrawler.Tests/Resource/005.pptx
@@ -104,6 +104,11 @@
       </a:defRPr>
     </a:lvl9pPr>
   </p:defaultTextStyle>
+  <p:extLst>
+    <p:ext uri="{EFAFB233-063F-42B5-8137-9DF3F51BA10A}">
+      <p15:sldGuideLst xmlns:p15="http://schemas.microsoft.com/office/powerpoint/2012/main"/>
+    </p:ext>
+  </p:extLst>
 </p:presentation>
 </file>
 
@@ -256,7 +261,7 @@
           <a:p>
             <a:fld id="{B963236C-3A42-402D-BF64-80554BE915FA}" type="datetimeFigureOut">
               <a:rPr lang="en-US" smtClean="0"/>
-              <a:t>7/14/2019</a:t>
+              <a:t>1/6/2023</a:t>
             </a:fld>
             <a:endParaRPr lang="en-US"/>
           </a:p>
@@ -310,7 +315,7 @@
           <a:p>
             <a:fld id="{871BC19D-3D76-45F3-A7E3-8674D073A9D5}" type="slidenum">
               <a:rPr lang="en-US" smtClean="0"/>
-              <a:t>‹#›</a:t>
+              <a:t>‹Nr.›</a:t>
             </a:fld>
             <a:endParaRPr lang="en-US"/>
           </a:p>
@@ -456,7 +461,7 @@
           <a:p>
             <a:fld id="{B963236C-3A42-402D-BF64-80554BE915FA}" type="datetimeFigureOut">
               <a:rPr lang="en-US" smtClean="0"/>
-              <a:t>7/14/2019</a:t>
+              <a:t>1/6/2023</a:t>
             </a:fld>
             <a:endParaRPr lang="en-US"/>
           </a:p>
@@ -510,7 +515,7 @@
           <a:p>
             <a:fld id="{871BC19D-3D76-45F3-A7E3-8674D073A9D5}" type="slidenum">
               <a:rPr lang="en-US" smtClean="0"/>
-              <a:t>‹#›</a:t>
+              <a:t>‹Nr.›</a:t>
             </a:fld>
             <a:endParaRPr lang="en-US"/>
           </a:p>
@@ -666,7 +671,7 @@
           <a:p>
             <a:fld id="{B963236C-3A42-402D-BF64-80554BE915FA}" type="datetimeFigureOut">
               <a:rPr lang="en-US" smtClean="0"/>
-              <a:t>7/14/2019</a:t>
+              <a:t>1/6/2023</a:t>
             </a:fld>
             <a:endParaRPr lang="en-US"/>
           </a:p>
@@ -720,7 +725,7 @@
           <a:p>
             <a:fld id="{871BC19D-3D76-45F3-A7E3-8674D073A9D5}" type="slidenum">
               <a:rPr lang="en-US" smtClean="0"/>
-              <a:t>‹#›</a:t>
+              <a:t>‹Nr.›</a:t>
             </a:fld>
             <a:endParaRPr lang="en-US"/>
           </a:p>
@@ -866,7 +871,7 @@
           <a:p>
             <a:fld id="{B963236C-3A42-402D-BF64-80554BE915FA}" type="datetimeFigureOut">
               <a:rPr lang="en-US" smtClean="0"/>
-              <a:t>7/14/2019</a:t>
+              <a:t>1/6/2023</a:t>
             </a:fld>
             <a:endParaRPr lang="en-US"/>
           </a:p>
@@ -920,7 +925,7 @@
           <a:p>
             <a:fld id="{871BC19D-3D76-45F3-A7E3-8674D073A9D5}" type="slidenum">
               <a:rPr lang="en-US" smtClean="0"/>
-              <a:t>‹#›</a:t>
+              <a:t>‹Nr.›</a:t>
             </a:fld>
             <a:endParaRPr lang="en-US"/>
           </a:p>
@@ -1142,7 +1147,7 @@
           <a:p>
             <a:fld id="{B963236C-3A42-402D-BF64-80554BE915FA}" type="datetimeFigureOut">
               <a:rPr lang="en-US" smtClean="0"/>
-              <a:t>7/14/2019</a:t>
+              <a:t>1/6/2023</a:t>
             </a:fld>
             <a:endParaRPr lang="en-US"/>
           </a:p>
@@ -1196,7 +1201,7 @@
           <a:p>
             <a:fld id="{871BC19D-3D76-45F3-A7E3-8674D073A9D5}" type="slidenum">
               <a:rPr lang="en-US" smtClean="0"/>
-              <a:t>‹#›</a:t>
+              <a:t>‹Nr.›</a:t>
             </a:fld>
             <a:endParaRPr lang="en-US"/>
           </a:p>
@@ -1410,7 +1415,7 @@
           <a:p>
             <a:fld id="{B963236C-3A42-402D-BF64-80554BE915FA}" type="datetimeFigureOut">
               <a:rPr lang="en-US" smtClean="0"/>
-              <a:t>7/14/2019</a:t>
+              <a:t>1/6/2023</a:t>
             </a:fld>
             <a:endParaRPr lang="en-US"/>
           </a:p>
@@ -1464,7 +1469,7 @@
           <a:p>
             <a:fld id="{871BC19D-3D76-45F3-A7E3-8674D073A9D5}" type="slidenum">
               <a:rPr lang="en-US" smtClean="0"/>
-              <a:t>‹#›</a:t>
+              <a:t>‹Nr.›</a:t>
             </a:fld>
             <a:endParaRPr lang="en-US"/>
           </a:p>
@@ -1825,7 +1830,7 @@
           <a:p>
             <a:fld id="{B963236C-3A42-402D-BF64-80554BE915FA}" type="datetimeFigureOut">
               <a:rPr lang="en-US" smtClean="0"/>
-              <a:t>7/14/2019</a:t>
+              <a:t>1/6/2023</a:t>
             </a:fld>
             <a:endParaRPr lang="en-US"/>
           </a:p>
@@ -1879,7 +1884,7 @@
           <a:p>
             <a:fld id="{871BC19D-3D76-45F3-A7E3-8674D073A9D5}" type="slidenum">
               <a:rPr lang="en-US" smtClean="0"/>
-              <a:t>‹#›</a:t>
+              <a:t>‹Nr.›</a:t>
             </a:fld>
             <a:endParaRPr lang="en-US"/>
           </a:p>
@@ -1967,7 +1972,7 @@
           <a:p>
             <a:fld id="{B963236C-3A42-402D-BF64-80554BE915FA}" type="datetimeFigureOut">
               <a:rPr lang="en-US" smtClean="0"/>
-              <a:t>7/14/2019</a:t>
+              <a:t>1/6/2023</a:t>
             </a:fld>
             <a:endParaRPr lang="en-US"/>
           </a:p>
@@ -2021,7 +2026,7 @@
           <a:p>
             <a:fld id="{871BC19D-3D76-45F3-A7E3-8674D073A9D5}" type="slidenum">
               <a:rPr lang="en-US" smtClean="0"/>
-              <a:t>‹#›</a:t>
+              <a:t>‹Nr.›</a:t>
             </a:fld>
             <a:endParaRPr lang="en-US"/>
           </a:p>
@@ -2080,7 +2085,7 @@
           <a:p>
             <a:fld id="{B963236C-3A42-402D-BF64-80554BE915FA}" type="datetimeFigureOut">
               <a:rPr lang="en-US" smtClean="0"/>
-              <a:t>7/14/2019</a:t>
+              <a:t>1/6/2023</a:t>
             </a:fld>
             <a:endParaRPr lang="en-US"/>
           </a:p>
@@ -2134,7 +2139,7 @@
           <a:p>
             <a:fld id="{871BC19D-3D76-45F3-A7E3-8674D073A9D5}" type="slidenum">
               <a:rPr lang="en-US" smtClean="0"/>
-              <a:t>‹#›</a:t>
+              <a:t>‹Nr.›</a:t>
             </a:fld>
             <a:endParaRPr lang="en-US"/>
           </a:p>
@@ -2393,7 +2398,7 @@
           <a:p>
             <a:fld id="{B963236C-3A42-402D-BF64-80554BE915FA}" type="datetimeFigureOut">
               <a:rPr lang="en-US" smtClean="0"/>
-              <a:t>7/14/2019</a:t>
+              <a:t>1/6/2023</a:t>
             </a:fld>
             <a:endParaRPr lang="en-US"/>
           </a:p>
@@ -2447,7 +2452,7 @@
           <a:p>
             <a:fld id="{871BC19D-3D76-45F3-A7E3-8674D073A9D5}" type="slidenum">
               <a:rPr lang="en-US" smtClean="0"/>
-              <a:t>‹#›</a:t>
+              <a:t>‹Nr.›</a:t>
             </a:fld>
             <a:endParaRPr lang="en-US"/>
           </a:p>
@@ -2682,7 +2687,7 @@
           <a:p>
             <a:fld id="{B963236C-3A42-402D-BF64-80554BE915FA}" type="datetimeFigureOut">
               <a:rPr lang="en-US" smtClean="0"/>
-              <a:t>7/14/2019</a:t>
+              <a:t>1/6/2023</a:t>
             </a:fld>
             <a:endParaRPr lang="en-US"/>
           </a:p>
@@ -2736,7 +2741,7 @@
           <a:p>
             <a:fld id="{871BC19D-3D76-45F3-A7E3-8674D073A9D5}" type="slidenum">
               <a:rPr lang="en-US" smtClean="0"/>
-              <a:t>‹#›</a:t>
+              <a:t>‹Nr.›</a:t>
             </a:fld>
             <a:endParaRPr lang="en-US"/>
           </a:p>
@@ -2925,7 +2930,7 @@
           <a:p>
             <a:fld id="{B963236C-3A42-402D-BF64-80554BE915FA}" type="datetimeFigureOut">
               <a:rPr lang="en-US" smtClean="0"/>
-              <a:t>7/14/2019</a:t>
+              <a:t>1/6/2023</a:t>
             </a:fld>
             <a:endParaRPr lang="en-US"/>
           </a:p>
@@ -3015,7 +3020,7 @@
           <a:p>
             <a:fld id="{871BC19D-3D76-45F3-A7E3-8674D073A9D5}" type="slidenum">
               <a:rPr lang="en-US" smtClean="0"/>
-              <a:t>‹#›</a:t>
+              <a:t>‹Nr.›</a:t>
             </a:fld>
             <a:endParaRPr lang="en-US"/>
           </a:p>
@@ -3344,7 +3349,7 @@
       </p:grpSpPr>
       <p:sp>
         <p:nvSpPr>
-          <p:cNvPr id="2" name="Заголовок 1">
+          <p:cNvPr id="2" name="Header">
             <a:extLst>
               <a:ext uri="{FF2B5EF4-FFF2-40B4-BE49-F238E27FC236}">
                 <a16:creationId xmlns:a16="http://schemas.microsoft.com/office/drawing/2014/main" id="{028D6595-A500-46C4-81FB-F3BF2FD54652}"/>
